--- a/jQuery/Slide/Chapter 5_Get off to a fast start with jQuery.pptx
+++ b/jQuery/Slide/Chapter 5_Get off to a fast start with jQuery.pptx
@@ -280,7 +280,7 @@
             <a:fld id="{524DC8F9-1DCD-4754-A44C-6EBB62BDA97B}" type="datetimeFigureOut">
               <a:rPr lang="en-US" smtClean="0"/>
               <a:pPr/>
-              <a:t>7/8/2020</a:t>
+              <a:t>08/07/2020</a:t>
             </a:fld>
             <a:endParaRPr lang="en-US"/>
           </a:p>

--- a/jQuery/Slide/Chapter 5_Get off to a fast start with jQuery.pptx
+++ b/jQuery/Slide/Chapter 5_Get off to a fast start with jQuery.pptx
@@ -280,7 +280,7 @@
             <a:fld id="{524DC8F9-1DCD-4754-A44C-6EBB62BDA97B}" type="datetimeFigureOut">
               <a:rPr lang="en-US" smtClean="0"/>
               <a:pPr/>
-              <a:t>7/8/2020</a:t>
+              <a:t>7/10/2020</a:t>
             </a:fld>
             <a:endParaRPr lang="en-US"/>
           </a:p>

--- a/jQuery/Slide/Chapter 5_Get off to a fast start with jQuery.pptx
+++ b/jQuery/Slide/Chapter 5_Get off to a fast start with jQuery.pptx
@@ -197,6 +197,238 @@
 </p:presentation>
 </file>
 
+<file path=ppt/commentAuthors.xml><?xml version="1.0" encoding="utf-8"?>
+<p:cmAuthorLst xmlns:a="http://schemas.openxmlformats.org/drawingml/2006/main" xmlns:r="http://schemas.openxmlformats.org/officeDocument/2006/relationships" xmlns:p="http://schemas.openxmlformats.org/presentationml/2006/main">
+  <p:cmAuthor id="1" name="Pdviet5073" initials="P" lastIdx="18" clrIdx="0">
+    <p:extLst>
+      <p:ext uri="{19B8F6BF-5375-455C-9EA6-DF929625EA0E}">
+        <p15:presenceInfo xmlns:p15="http://schemas.microsoft.com/office/powerpoint/2012/main" userId="Pdviet5073" providerId="None"/>
+      </p:ext>
+    </p:extLst>
+  </p:cmAuthor>
+</p:cmAuthorLst>
+</file>
+
+<file path=ppt/comments/comment1.xml><?xml version="1.0" encoding="utf-8"?>
+<p:cmLst xmlns:a="http://schemas.openxmlformats.org/drawingml/2006/main" xmlns:r="http://schemas.openxmlformats.org/officeDocument/2006/relationships" xmlns:p="http://schemas.openxmlformats.org/presentationml/2006/main">
+  <p:cm authorId="1" dt="2020-07-08T18:15:19.853" idx="1">
+    <p:pos x="10" y="10"/>
+    <p:text>+ : lấy ra  thẻ cùng bậc</p:text>
+    <p:extLst>
+      <p:ext uri="{C676402C-5697-4E1C-873F-D02D1690AC5C}">
+        <p15:threadingInfo xmlns:p15="http://schemas.microsoft.com/office/powerpoint/2012/main" timeZoneBias="-420"/>
+      </p:ext>
+    </p:extLst>
+  </p:cm>
+  <p:cm authorId="1" dt="2020-07-08T18:17:30.894" idx="2">
+    <p:pos x="10" y="106"/>
+    <p:text>~ : lấy ra  thẻ cùng bậc liền kề với nhau</p:text>
+    <p:extLst>
+      <p:ext uri="{C676402C-5697-4E1C-873F-D02D1690AC5C}">
+        <p15:threadingInfo xmlns:p15="http://schemas.microsoft.com/office/powerpoint/2012/main" timeZoneBias="-420">
+          <p15:parentCm authorId="1" idx="1"/>
+        </p15:threadingInfo>
+      </p:ext>
+    </p:extLst>
+  </p:cm>
+  <p:cm authorId="1" dt="2020-07-08T18:21:23.320" idx="3">
+    <p:pos x="10" y="202"/>
+    <p:text>&gt; : tìm thẻ con của thẻ đứng trước &gt;</p:text>
+    <p:extLst>
+      <p:ext uri="{C676402C-5697-4E1C-873F-D02D1690AC5C}">
+        <p15:threadingInfo xmlns:p15="http://schemas.microsoft.com/office/powerpoint/2012/main" timeZoneBias="-420">
+          <p15:parentCm authorId="1" idx="1"/>
+        </p15:threadingInfo>
+      </p:ext>
+    </p:extLst>
+  </p:cm>
+</p:cmLst>
+</file>
+
+<file path=ppt/comments/comment2.xml><?xml version="1.0" encoding="utf-8"?>
+<p:cmLst xmlns:a="http://schemas.openxmlformats.org/drawingml/2006/main" xmlns:r="http://schemas.openxmlformats.org/officeDocument/2006/relationships" xmlns:p="http://schemas.openxmlformats.org/presentationml/2006/main">
+  <p:cm authorId="1" dt="2020-07-08T18:28:07.471" idx="4">
+    <p:pos x="10" y="10"/>
+    <p:text>val() :(làm việc với thẻ input) get giá trị input</p:text>
+    <p:extLst>
+      <p:ext uri="{C676402C-5697-4E1C-873F-D02D1690AC5C}">
+        <p15:threadingInfo xmlns:p15="http://schemas.microsoft.com/office/powerpoint/2012/main" timeZoneBias="-420"/>
+      </p:ext>
+    </p:extLst>
+  </p:cm>
+  <p:cm authorId="1" dt="2020-07-08T18:29:50.782" idx="5">
+    <p:pos x="10" y="106"/>
+    <p:text>val(value) :set giá trị cho thẻ input</p:text>
+    <p:extLst>
+      <p:ext uri="{C676402C-5697-4E1C-873F-D02D1690AC5C}">
+        <p15:threadingInfo xmlns:p15="http://schemas.microsoft.com/office/powerpoint/2012/main" timeZoneBias="-420">
+          <p15:parentCm authorId="1" idx="4"/>
+        </p15:threadingInfo>
+      </p:ext>
+    </p:extLst>
+  </p:cm>
+  <p:cm authorId="1" dt="2020-07-08T18:30:34.853" idx="6">
+    <p:pos x="10" y="202"/>
+    <p:text>text(): get tất cả các đoạn text của các thẻ còn lại (không phải là thẻ input)</p:text>
+    <p:extLst>
+      <p:ext uri="{C676402C-5697-4E1C-873F-D02D1690AC5C}">
+        <p15:threadingInfo xmlns:p15="http://schemas.microsoft.com/office/powerpoint/2012/main" timeZoneBias="-420">
+          <p15:parentCm authorId="1" idx="4"/>
+        </p15:threadingInfo>
+      </p:ext>
+    </p:extLst>
+  </p:cm>
+  <p:cm authorId="1" dt="2020-07-08T18:32:06.862" idx="7">
+    <p:pos x="10" y="298"/>
+    <p:text>next(): trả về 1 el (ko có thì trả về arr rỗng) tiếp theo cùng bậc</p:text>
+    <p:extLst>
+      <p:ext uri="{C676402C-5697-4E1C-873F-D02D1690AC5C}">
+        <p15:threadingInfo xmlns:p15="http://schemas.microsoft.com/office/powerpoint/2012/main" timeZoneBias="-420">
+          <p15:parentCm authorId="1" idx="4"/>
+        </p15:threadingInfo>
+      </p:ext>
+    </p:extLst>
+  </p:cm>
+  <p:cm authorId="1" dt="2020-07-08T18:32:41.621" idx="8">
+    <p:pos x="10" y="394"/>
+    <p:text>next([type]) : type là 1 kiểu el muốn tìm</p:text>
+    <p:extLst>
+      <p:ext uri="{C676402C-5697-4E1C-873F-D02D1690AC5C}">
+        <p15:threadingInfo xmlns:p15="http://schemas.microsoft.com/office/powerpoint/2012/main" timeZoneBias="-420">
+          <p15:parentCm authorId="1" idx="4"/>
+        </p15:threadingInfo>
+      </p:ext>
+    </p:extLst>
+  </p:cm>
+</p:cmLst>
+</file>
+
+<file path=ppt/comments/comment3.xml><?xml version="1.0" encoding="utf-8"?>
+<p:cmLst xmlns:a="http://schemas.openxmlformats.org/drawingml/2006/main" xmlns:r="http://schemas.openxmlformats.org/officeDocument/2006/relationships" xmlns:p="http://schemas.openxmlformats.org/presentationml/2006/main">
+  <p:cm authorId="1" dt="2020-07-08T18:54:37.871" idx="9">
+    <p:pos x="10" y="10"/>
+    <p:text>ready: khi thực hiện DOM hoàn toàn rồi mới thực hiện ready</p:text>
+    <p:extLst>
+      <p:ext uri="{C676402C-5697-4E1C-873F-D02D1690AC5C}">
+        <p15:threadingInfo xmlns:p15="http://schemas.microsoft.com/office/powerpoint/2012/main" timeZoneBias="-420"/>
+      </p:ext>
+    </p:extLst>
+  </p:cm>
+  <p:cm authorId="1" dt="2020-07-08T18:56:46.388" idx="10">
+    <p:pos x="10" y="106"/>
+    <p:text>onload: khi DOM+ dowload tài nguyên hoàn toàn thì mới thực hiện onload</p:text>
+    <p:extLst>
+      <p:ext uri="{C676402C-5697-4E1C-873F-D02D1690AC5C}">
+        <p15:threadingInfo xmlns:p15="http://schemas.microsoft.com/office/powerpoint/2012/main" timeZoneBias="-420">
+          <p15:parentCm authorId="1" idx="9"/>
+        </p15:threadingInfo>
+      </p:ext>
+    </p:extLst>
+  </p:cm>
+</p:cmLst>
+</file>
+
+<file path=ppt/comments/comment4.xml><?xml version="1.0" encoding="utf-8"?>
+<p:cmLst xmlns:a="http://schemas.openxmlformats.org/drawingml/2006/main" xmlns:r="http://schemas.openxmlformats.org/officeDocument/2006/relationships" xmlns:p="http://schemas.openxmlformats.org/presentationml/2006/main">
+  <p:cm authorId="1" dt="2020-07-08T20:15:13.796" idx="11">
+    <p:pos x="10" y="10"/>
+    <p:text>:empty trả về các el ko có thẻ con</p:text>
+    <p:extLst>
+      <p:ext uri="{C676402C-5697-4E1C-873F-D02D1690AC5C}">
+        <p15:threadingInfo xmlns:p15="http://schemas.microsoft.com/office/powerpoint/2012/main" timeZoneBias="-420"/>
+      </p:ext>
+    </p:extLst>
+  </p:cm>
+  <p:cm authorId="1" dt="2020-07-08T20:21:19.537" idx="12">
+    <p:pos x="10" y="106"/>
+    <p:text>eq(n) trỏ tới cái el con có chỉ số index là n
+vd: thẻ li $("li:eq(2)")</p:text>
+    <p:extLst>
+      <p:ext uri="{C676402C-5697-4E1C-873F-D02D1690AC5C}">
+        <p15:threadingInfo xmlns:p15="http://schemas.microsoft.com/office/powerpoint/2012/main" timeZoneBias="-420">
+          <p15:parentCm authorId="1" idx="11"/>
+        </p15:threadingInfo>
+      </p:ext>
+    </p:extLst>
+  </p:cm>
+</p:cmLst>
+</file>
+
+<file path=ppt/comments/comment5.xml><?xml version="1.0" encoding="utf-8"?>
+<p:cmLst xmlns:a="http://schemas.openxmlformats.org/drawingml/2006/main" xmlns:r="http://schemas.openxmlformats.org/officeDocument/2006/relationships" xmlns:p="http://schemas.openxmlformats.org/presentationml/2006/main">
+  <p:cm authorId="1" dt="2020-07-08T20:28:27.925" idx="13">
+    <p:pos x="10" y="10"/>
+    <p:text>prev: trả về el trước đó</p:text>
+    <p:extLst>
+      <p:ext uri="{C676402C-5697-4E1C-873F-D02D1690AC5C}">
+        <p15:threadingInfo xmlns:p15="http://schemas.microsoft.com/office/powerpoint/2012/main" timeZoneBias="-420"/>
+      </p:ext>
+    </p:extLst>
+  </p:cm>
+  <p:cm authorId="1" dt="2020-07-08T20:34:08.485" idx="14">
+    <p:pos x="10" y="106"/>
+    <p:text>toggleClass: nếu có class rồi thì xoá class, nếu chưa có thì add vô</p:text>
+    <p:extLst>
+      <p:ext uri="{C676402C-5697-4E1C-873F-D02D1690AC5C}">
+        <p15:threadingInfo xmlns:p15="http://schemas.microsoft.com/office/powerpoint/2012/main" timeZoneBias="-420">
+          <p15:parentCm authorId="1" idx="13"/>
+        </p15:threadingInfo>
+      </p:ext>
+    </p:extLst>
+  </p:cm>
+  <p:cm authorId="1" dt="2020-07-08T20:39:23.820" idx="15">
+    <p:pos x="10" y="202"/>
+    <p:text>attr : class. xoá class có sẵn thay bằng class mới</p:text>
+    <p:extLst>
+      <p:ext uri="{C676402C-5697-4E1C-873F-D02D1690AC5C}">
+        <p15:threadingInfo xmlns:p15="http://schemas.microsoft.com/office/powerpoint/2012/main" timeZoneBias="-420">
+          <p15:parentCm authorId="1" idx="13"/>
+        </p15:threadingInfo>
+      </p:ext>
+    </p:extLst>
+  </p:cm>
+</p:cmLst>
+</file>
+
+<file path=ppt/comments/comment6.xml><?xml version="1.0" encoding="utf-8"?>
+<p:cmLst xmlns:a="http://schemas.openxmlformats.org/drawingml/2006/main" xmlns:r="http://schemas.openxmlformats.org/officeDocument/2006/relationships" xmlns:p="http://schemas.openxmlformats.org/presentationml/2006/main">
+  <p:cm authorId="1" dt="2020-07-08T20:50:05.118" idx="16">
+    <p:pos x="10" y="10"/>
+    <p:text>toggle: thực hiện ẩn hoặc hiển thị. nếu ẩn thì hiển thị và ngược lại</p:text>
+    <p:extLst>
+      <p:ext uri="{C676402C-5697-4E1C-873F-D02D1690AC5C}">
+        <p15:threadingInfo xmlns:p15="http://schemas.microsoft.com/office/powerpoint/2012/main" timeZoneBias="-420"/>
+      </p:ext>
+    </p:extLst>
+  </p:cm>
+</p:cmLst>
+</file>
+
+<file path=ppt/comments/comment7.xml><?xml version="1.0" encoding="utf-8"?>
+<p:cmLst xmlns:a="http://schemas.openxmlformats.org/drawingml/2006/main" xmlns:r="http://schemas.openxmlformats.org/officeDocument/2006/relationships" xmlns:p="http://schemas.openxmlformats.org/presentationml/2006/main">
+  <p:cm authorId="1" dt="2020-07-08T21:03:39.846" idx="17">
+    <p:pos x="10" y="10"/>
+    <p:text>one: sự kiện chỉ sảy ra 1 lần</p:text>
+    <p:extLst>
+      <p:ext uri="{C676402C-5697-4E1C-873F-D02D1690AC5C}">
+        <p15:threadingInfo xmlns:p15="http://schemas.microsoft.com/office/powerpoint/2012/main" timeZoneBias="-420"/>
+      </p:ext>
+    </p:extLst>
+  </p:cm>
+  <p:cm authorId="1" dt="2020-07-08T21:05:38.534" idx="18">
+    <p:pos x="10" y="106"/>
+    <p:text>trigger: kích hoạt sự kiện mà ko cần tác động từ người dùng</p:text>
+    <p:extLst>
+      <p:ext uri="{C676402C-5697-4E1C-873F-D02D1690AC5C}">
+        <p15:threadingInfo xmlns:p15="http://schemas.microsoft.com/office/powerpoint/2012/main" timeZoneBias="-420">
+          <p15:parentCm authorId="1" idx="17"/>
+        </p15:threadingInfo>
+      </p:ext>
+    </p:extLst>
+  </p:cm>
+</p:cmLst>
+</file>
+
 <file path=ppt/notesMasters/notesMaster1.xml><?xml version="1.0" encoding="utf-8"?>
 <p:notesMaster xmlns:a="http://schemas.openxmlformats.org/drawingml/2006/main" xmlns:r="http://schemas.openxmlformats.org/officeDocument/2006/relationships" xmlns:p="http://schemas.openxmlformats.org/presentationml/2006/main">
   <p:cSld>
@@ -280,7 +512,7 @@
             <a:fld id="{524DC8F9-1DCD-4754-A44C-6EBB62BDA97B}" type="datetimeFigureOut">
               <a:rPr lang="en-US" smtClean="0"/>
               <a:pPr/>
-              <a:t>7/10/2020</a:t>
+              <a:t>7/8/2020</a:t>
             </a:fld>
             <a:endParaRPr lang="en-US"/>
           </a:p>
